--- a/Milestone 4.pptx
+++ b/Milestone 4.pptx
@@ -26,7 +26,9 @@
     <p:sldId id="272" r:id="rId23"/>
     <p:sldId id="270" r:id="rId24"/>
     <p:sldId id="273" r:id="rId25"/>
-    <p:sldId id="271" r:id="rId26"/>
+    <p:sldId id="278" r:id="rId26"/>
+    <p:sldId id="279" r:id="rId27"/>
+    <p:sldId id="271" r:id="rId28"/>
   </p:sldIdLst>
   <p:sldSz cx="12192000" cy="6858000"/>
   <p:notesSz cx="6858000" cy="9144000"/>
@@ -136,14 +138,67 @@
 <file path=ppt/revisionInfo.xml><?xml version="1.0" encoding="utf-8"?>
 <p1510:revInfo xmlns:a="http://schemas.openxmlformats.org/drawingml/2006/main" xmlns:r="http://schemas.openxmlformats.org/officeDocument/2006/relationships" xmlns:p1510="http://schemas.microsoft.com/office/powerpoint/2015/10/main">
   <p1510:revLst>
+    <p1510:client id="{16A24785-CE77-4EED-9127-16A87A67C95A}" v="8" dt="2021-04-15T02:54:08.392"/>
+    <p1510:client id="{3C459170-AE26-4E83-9FB7-88CDB7D80E72}" v="671" dt="2021-04-15T15:40:05.757"/>
+    <p1510:client id="{3F58F0D2-DF98-4BAA-A930-1AD28DF4E413}" v="7" dt="2021-04-15T13:08:05.125"/>
+    <p1510:client id="{95266819-4CAE-466A-B340-6043BA06DF75}" v="4" dt="2021-04-15T15:39:25.186"/>
     <p1510:client id="{9AED37E8-2818-4931-99A4-B0641473BFCE}" v="42" dt="2021-04-15T02:34:45.288"/>
     <p1510:client id="{BF369F4C-F9E5-471C-ACCB-0CA53B441354}" v="882" dt="2021-04-15T02:37:57.605"/>
+    <p1510:client id="{E0E3CE01-A094-4E1E-8B04-3F63FF220969}" v="2" dt="2021-04-15T13:43:57.016"/>
+    <p1510:client id="{F9FA0BF9-32E0-4A6A-A78C-F39F09E8DC7B}" v="118" dt="2021-04-15T15:31:05.398"/>
   </p1510:revLst>
 </p1510:revInfo>
 </file>
 
 <file path=ppt/changesInfos/changesInfo1.xml><?xml version="1.0" encoding="utf-8"?>
 <pc:chgInfo xmlns:a="http://schemas.openxmlformats.org/drawingml/2006/main" xmlns:r="http://schemas.openxmlformats.org/officeDocument/2006/relationships" xmlns:ac="http://schemas.microsoft.com/office/drawing/2013/main/command" xmlns:pc="http://schemas.microsoft.com/office/powerpoint/2013/main/command">
+  <pc:docChgLst>
+    <pc:chgData name="Alrabadi, Fadi" userId="S::fa979119@ohio.edu::8d44db8b-ce80-422b-9ef3-f70533f1f14d" providerId="AD" clId="Web-{95266819-4CAE-466A-B340-6043BA06DF75}"/>
+    <pc:docChg chg="modSld sldOrd">
+      <pc:chgData name="Alrabadi, Fadi" userId="S::fa979119@ohio.edu::8d44db8b-ce80-422b-9ef3-f70533f1f14d" providerId="AD" clId="Web-{95266819-4CAE-466A-B340-6043BA06DF75}" dt="2021-04-15T15:39:18.451" v="1" actId="20577"/>
+      <pc:docMkLst>
+        <pc:docMk/>
+      </pc:docMkLst>
+      <pc:sldChg chg="ord">
+        <pc:chgData name="Alrabadi, Fadi" userId="S::fa979119@ohio.edu::8d44db8b-ce80-422b-9ef3-f70533f1f14d" providerId="AD" clId="Web-{95266819-4CAE-466A-B340-6043BA06DF75}" dt="2021-04-15T15:38:59.123" v="0"/>
+        <pc:sldMkLst>
+          <pc:docMk/>
+          <pc:sldMk cId="2159744074" sldId="271"/>
+        </pc:sldMkLst>
+      </pc:sldChg>
+      <pc:sldChg chg="modSp">
+        <pc:chgData name="Alrabadi, Fadi" userId="S::fa979119@ohio.edu::8d44db8b-ce80-422b-9ef3-f70533f1f14d" providerId="AD" clId="Web-{95266819-4CAE-466A-B340-6043BA06DF75}" dt="2021-04-15T15:39:18.451" v="1" actId="20577"/>
+        <pc:sldMkLst>
+          <pc:docMk/>
+          <pc:sldMk cId="2227598098" sldId="278"/>
+        </pc:sldMkLst>
+        <pc:spChg chg="mod">
+          <ac:chgData name="Alrabadi, Fadi" userId="S::fa979119@ohio.edu::8d44db8b-ce80-422b-9ef3-f70533f1f14d" providerId="AD" clId="Web-{95266819-4CAE-466A-B340-6043BA06DF75}" dt="2021-04-15T15:39:18.451" v="1" actId="20577"/>
+          <ac:spMkLst>
+            <pc:docMk/>
+            <pc:sldMk cId="2227598098" sldId="278"/>
+            <ac:spMk id="3" creationId="{9D1AE3D9-18AF-479D-BB9C-2A5CED298F02}"/>
+          </ac:spMkLst>
+        </pc:spChg>
+      </pc:sldChg>
+    </pc:docChg>
+  </pc:docChgLst>
+  <pc:docChgLst>
+    <pc:chgData name="Alrabadi, Fadi" userId="S::fa979119@ohio.edu::8d44db8b-ce80-422b-9ef3-f70533f1f14d" providerId="AD" clId="Web-{E0E3CE01-A094-4E1E-8B04-3F63FF220969}"/>
+    <pc:docChg chg="sldOrd">
+      <pc:chgData name="Alrabadi, Fadi" userId="S::fa979119@ohio.edu::8d44db8b-ce80-422b-9ef3-f70533f1f14d" providerId="AD" clId="Web-{E0E3CE01-A094-4E1E-8B04-3F63FF220969}" dt="2021-04-15T13:43:57.016" v="1"/>
+      <pc:docMkLst>
+        <pc:docMk/>
+      </pc:docMkLst>
+      <pc:sldChg chg="ord">
+        <pc:chgData name="Alrabadi, Fadi" userId="S::fa979119@ohio.edu::8d44db8b-ce80-422b-9ef3-f70533f1f14d" providerId="AD" clId="Web-{E0E3CE01-A094-4E1E-8B04-3F63FF220969}" dt="2021-04-15T13:43:57.016" v="1"/>
+        <pc:sldMkLst>
+          <pc:docMk/>
+          <pc:sldMk cId="524125887" sldId="264"/>
+        </pc:sldMkLst>
+      </pc:sldChg>
+    </pc:docChg>
+  </pc:docChgLst>
   <pc:docChgLst>
     <pc:chgData name="Alrabadi, Fadi" userId="S::fa979119@ohio.edu::8d44db8b-ce80-422b-9ef3-f70533f1f14d" providerId="AD" clId="Web-{9AED37E8-2818-4931-99A4-B0641473BFCE}"/>
     <pc:docChg chg="modSld">
@@ -350,6 +405,125 @@
             <pc:docMk/>
             <pc:sldMk cId="1444384145" sldId="274"/>
             <ac:spMk id="3" creationId="{8390C816-EF14-4DD3-8177-1C694E950268}"/>
+          </ac:spMkLst>
+        </pc:spChg>
+      </pc:sldChg>
+    </pc:docChg>
+  </pc:docChgLst>
+  <pc:docChgLst>
+    <pc:chgData name="Alrabadi, Fadi" userId="S::fa979119@ohio.edu::8d44db8b-ce80-422b-9ef3-f70533f1f14d" providerId="AD" clId="Web-{16A24785-CE77-4EED-9127-16A87A67C95A}"/>
+    <pc:docChg chg="modSld">
+      <pc:chgData name="Alrabadi, Fadi" userId="S::fa979119@ohio.edu::8d44db8b-ce80-422b-9ef3-f70533f1f14d" providerId="AD" clId="Web-{16A24785-CE77-4EED-9127-16A87A67C95A}" dt="2021-04-15T02:54:08.392" v="3" actId="20577"/>
+      <pc:docMkLst>
+        <pc:docMk/>
+      </pc:docMkLst>
+      <pc:sldChg chg="modSp">
+        <pc:chgData name="Alrabadi, Fadi" userId="S::fa979119@ohio.edu::8d44db8b-ce80-422b-9ef3-f70533f1f14d" providerId="AD" clId="Web-{16A24785-CE77-4EED-9127-16A87A67C95A}" dt="2021-04-15T02:54:08.392" v="3" actId="20577"/>
+        <pc:sldMkLst>
+          <pc:docMk/>
+          <pc:sldMk cId="4050265223" sldId="258"/>
+        </pc:sldMkLst>
+        <pc:spChg chg="mod">
+          <ac:chgData name="Alrabadi, Fadi" userId="S::fa979119@ohio.edu::8d44db8b-ce80-422b-9ef3-f70533f1f14d" providerId="AD" clId="Web-{16A24785-CE77-4EED-9127-16A87A67C95A}" dt="2021-04-15T02:54:08.392" v="3" actId="20577"/>
+          <ac:spMkLst>
+            <pc:docMk/>
+            <pc:sldMk cId="4050265223" sldId="258"/>
+            <ac:spMk id="3" creationId="{06FAB4A7-A89F-4B02-AACA-DB6479D020FC}"/>
+          </ac:spMkLst>
+        </pc:spChg>
+      </pc:sldChg>
+    </pc:docChg>
+  </pc:docChgLst>
+  <pc:docChgLst>
+    <pc:chgData name="Conaway, Ryan" userId="S::mc321015@ohio.edu::2d2e994b-2ab9-4e67-9e20-1eb7f596c0ca" providerId="AD" clId="Web-{F9FA0BF9-32E0-4A6A-A78C-F39F09E8DC7B}"/>
+    <pc:docChg chg="addSld delSld modSld">
+      <pc:chgData name="Conaway, Ryan" userId="S::mc321015@ohio.edu::2d2e994b-2ab9-4e67-9e20-1eb7f596c0ca" providerId="AD" clId="Web-{F9FA0BF9-32E0-4A6A-A78C-F39F09E8DC7B}" dt="2021-04-15T15:31:05.398" v="62" actId="20577"/>
+      <pc:docMkLst>
+        <pc:docMk/>
+      </pc:docMkLst>
+      <pc:sldChg chg="modSp new del">
+        <pc:chgData name="Conaway, Ryan" userId="S::mc321015@ohio.edu::2d2e994b-2ab9-4e67-9e20-1eb7f596c0ca" providerId="AD" clId="Web-{F9FA0BF9-32E0-4A6A-A78C-F39F09E8DC7B}" dt="2021-04-15T15:29:45.959" v="2"/>
+        <pc:sldMkLst>
+          <pc:docMk/>
+          <pc:sldMk cId="1581296075" sldId="278"/>
+        </pc:sldMkLst>
+        <pc:spChg chg="mod">
+          <ac:chgData name="Conaway, Ryan" userId="S::mc321015@ohio.edu::2d2e994b-2ab9-4e67-9e20-1eb7f596c0ca" providerId="AD" clId="Web-{F9FA0BF9-32E0-4A6A-A78C-F39F09E8DC7B}" dt="2021-04-15T15:29:45.944" v="1" actId="1076"/>
+          <ac:spMkLst>
+            <pc:docMk/>
+            <pc:sldMk cId="1581296075" sldId="278"/>
+            <ac:spMk id="2" creationId="{7FE9D517-5B17-4D37-9952-EAE99F6E0411}"/>
+          </ac:spMkLst>
+        </pc:spChg>
+      </pc:sldChg>
+      <pc:sldChg chg="addSp delSp modSp new">
+        <pc:chgData name="Conaway, Ryan" userId="S::mc321015@ohio.edu::2d2e994b-2ab9-4e67-9e20-1eb7f596c0ca" providerId="AD" clId="Web-{F9FA0BF9-32E0-4A6A-A78C-F39F09E8DC7B}" dt="2021-04-15T15:31:05.398" v="62" actId="20577"/>
+        <pc:sldMkLst>
+          <pc:docMk/>
+          <pc:sldMk cId="2227598098" sldId="278"/>
+        </pc:sldMkLst>
+        <pc:spChg chg="mod">
+          <ac:chgData name="Conaway, Ryan" userId="S::mc321015@ohio.edu::2d2e994b-2ab9-4e67-9e20-1eb7f596c0ca" providerId="AD" clId="Web-{F9FA0BF9-32E0-4A6A-A78C-F39F09E8DC7B}" dt="2021-04-15T15:29:58.116" v="7" actId="20577"/>
+          <ac:spMkLst>
+            <pc:docMk/>
+            <pc:sldMk cId="2227598098" sldId="278"/>
+            <ac:spMk id="2" creationId="{9A601B96-829D-4DAF-AFC0-D8AE8CD2C053}"/>
+          </ac:spMkLst>
+        </pc:spChg>
+        <pc:spChg chg="mod">
+          <ac:chgData name="Conaway, Ryan" userId="S::mc321015@ohio.edu::2d2e994b-2ab9-4e67-9e20-1eb7f596c0ca" providerId="AD" clId="Web-{F9FA0BF9-32E0-4A6A-A78C-F39F09E8DC7B}" dt="2021-04-15T15:31:05.398" v="62" actId="20577"/>
+          <ac:spMkLst>
+            <pc:docMk/>
+            <pc:sldMk cId="2227598098" sldId="278"/>
+            <ac:spMk id="3" creationId="{9D1AE3D9-18AF-479D-BB9C-2A5CED298F02}"/>
+          </ac:spMkLst>
+        </pc:spChg>
+        <pc:spChg chg="add del mod">
+          <ac:chgData name="Conaway, Ryan" userId="S::mc321015@ohio.edu::2d2e994b-2ab9-4e67-9e20-1eb7f596c0ca" providerId="AD" clId="Web-{F9FA0BF9-32E0-4A6A-A78C-F39F09E8DC7B}" dt="2021-04-15T15:30:14.100" v="14"/>
+          <ac:spMkLst>
+            <pc:docMk/>
+            <pc:sldMk cId="2227598098" sldId="278"/>
+            <ac:spMk id="4" creationId="{94551187-093C-42C5-8F35-D36F817E62D1}"/>
+          </ac:spMkLst>
+        </pc:spChg>
+        <pc:spChg chg="add mod">
+          <ac:chgData name="Conaway, Ryan" userId="S::mc321015@ohio.edu::2d2e994b-2ab9-4e67-9e20-1eb7f596c0ca" providerId="AD" clId="Web-{F9FA0BF9-32E0-4A6A-A78C-F39F09E8DC7B}" dt="2021-04-15T15:30:20.725" v="17" actId="20577"/>
+          <ac:spMkLst>
+            <pc:docMk/>
+            <pc:sldMk cId="2227598098" sldId="278"/>
+            <ac:spMk id="6" creationId="{B85599FE-5D02-4833-A2AD-EA05DDBB3296}"/>
+          </ac:spMkLst>
+        </pc:spChg>
+        <pc:spChg chg="add mod">
+          <ac:chgData name="Conaway, Ryan" userId="S::mc321015@ohio.edu::2d2e994b-2ab9-4e67-9e20-1eb7f596c0ca" providerId="AD" clId="Web-{F9FA0BF9-32E0-4A6A-A78C-F39F09E8DC7B}" dt="2021-04-15T15:30:26.803" v="20" actId="20577"/>
+          <ac:spMkLst>
+            <pc:docMk/>
+            <pc:sldMk cId="2227598098" sldId="278"/>
+            <ac:spMk id="7" creationId="{3411CA20-78BA-4612-965B-338726A7CDA3}"/>
+          </ac:spMkLst>
+        </pc:spChg>
+      </pc:sldChg>
+    </pc:docChg>
+  </pc:docChgLst>
+  <pc:docChgLst>
+    <pc:chgData name="Williams, Alex" userId="S::aw348916@ohio.edu::c33237fb-e125-4c72-8c1c-2f72e571e943" providerId="AD" clId="Web-{3F58F0D2-DF98-4BAA-A930-1AD28DF4E413}"/>
+    <pc:docChg chg="modSld">
+      <pc:chgData name="Williams, Alex" userId="S::aw348916@ohio.edu::c33237fb-e125-4c72-8c1c-2f72e571e943" providerId="AD" clId="Web-{3F58F0D2-DF98-4BAA-A930-1AD28DF4E413}" dt="2021-04-15T13:08:04.737" v="2" actId="20577"/>
+      <pc:docMkLst>
+        <pc:docMk/>
+      </pc:docMkLst>
+      <pc:sldChg chg="modSp">
+        <pc:chgData name="Williams, Alex" userId="S::aw348916@ohio.edu::c33237fb-e125-4c72-8c1c-2f72e571e943" providerId="AD" clId="Web-{3F58F0D2-DF98-4BAA-A930-1AD28DF4E413}" dt="2021-04-15T13:08:04.737" v="2" actId="20577"/>
+        <pc:sldMkLst>
+          <pc:docMk/>
+          <pc:sldMk cId="4050265223" sldId="258"/>
+        </pc:sldMkLst>
+        <pc:spChg chg="mod">
+          <ac:chgData name="Williams, Alex" userId="S::aw348916@ohio.edu::c33237fb-e125-4c72-8c1c-2f72e571e943" providerId="AD" clId="Web-{3F58F0D2-DF98-4BAA-A930-1AD28DF4E413}" dt="2021-04-15T13:08:04.737" v="2" actId="20577"/>
+          <ac:spMkLst>
+            <pc:docMk/>
+            <pc:sldMk cId="4050265223" sldId="258"/>
+            <ac:spMk id="3" creationId="{06FAB4A7-A89F-4B02-AACA-DB6479D020FC}"/>
           </ac:spMkLst>
         </pc:spChg>
       </pc:sldChg>
@@ -870,6 +1044,69 @@
       </pc:sldChg>
     </pc:docChg>
   </pc:docChgLst>
+  <pc:docChgLst>
+    <pc:chgData name="Conaway, Ryan" userId="S::mc321015@ohio.edu::2d2e994b-2ab9-4e67-9e20-1eb7f596c0ca" providerId="AD" clId="Web-{3C459170-AE26-4E83-9FB7-88CDB7D80E72}"/>
+    <pc:docChg chg="addSld modSld">
+      <pc:chgData name="Conaway, Ryan" userId="S::mc321015@ohio.edu::2d2e994b-2ab9-4e67-9e20-1eb7f596c0ca" providerId="AD" clId="Web-{3C459170-AE26-4E83-9FB7-88CDB7D80E72}" dt="2021-04-15T15:40:05.757" v="332" actId="20577"/>
+      <pc:docMkLst>
+        <pc:docMk/>
+      </pc:docMkLst>
+      <pc:sldChg chg="delSp modSp">
+        <pc:chgData name="Conaway, Ryan" userId="S::mc321015@ohio.edu::2d2e994b-2ab9-4e67-9e20-1eb7f596c0ca" providerId="AD" clId="Web-{3C459170-AE26-4E83-9FB7-88CDB7D80E72}" dt="2021-04-15T15:35:12.142" v="189"/>
+        <pc:sldMkLst>
+          <pc:docMk/>
+          <pc:sldMk cId="2227598098" sldId="278"/>
+        </pc:sldMkLst>
+        <pc:spChg chg="mod">
+          <ac:chgData name="Conaway, Ryan" userId="S::mc321015@ohio.edu::2d2e994b-2ab9-4e67-9e20-1eb7f596c0ca" providerId="AD" clId="Web-{3C459170-AE26-4E83-9FB7-88CDB7D80E72}" dt="2021-04-15T15:34:11.531" v="130" actId="20577"/>
+          <ac:spMkLst>
+            <pc:docMk/>
+            <pc:sldMk cId="2227598098" sldId="278"/>
+            <ac:spMk id="3" creationId="{9D1AE3D9-18AF-479D-BB9C-2A5CED298F02}"/>
+          </ac:spMkLst>
+        </pc:spChg>
+        <pc:spChg chg="mod">
+          <ac:chgData name="Conaway, Ryan" userId="S::mc321015@ohio.edu::2d2e994b-2ab9-4e67-9e20-1eb7f596c0ca" providerId="AD" clId="Web-{3C459170-AE26-4E83-9FB7-88CDB7D80E72}" dt="2021-04-15T15:34:30.250" v="178" actId="20577"/>
+          <ac:spMkLst>
+            <pc:docMk/>
+            <pc:sldMk cId="2227598098" sldId="278"/>
+            <ac:spMk id="6" creationId="{B85599FE-5D02-4833-A2AD-EA05DDBB3296}"/>
+          </ac:spMkLst>
+        </pc:spChg>
+        <pc:spChg chg="del mod">
+          <ac:chgData name="Conaway, Ryan" userId="S::mc321015@ohio.edu::2d2e994b-2ab9-4e67-9e20-1eb7f596c0ca" providerId="AD" clId="Web-{3C459170-AE26-4E83-9FB7-88CDB7D80E72}" dt="2021-04-15T15:35:12.142" v="189"/>
+          <ac:spMkLst>
+            <pc:docMk/>
+            <pc:sldMk cId="2227598098" sldId="278"/>
+            <ac:spMk id="7" creationId="{3411CA20-78BA-4612-965B-338726A7CDA3}"/>
+          </ac:spMkLst>
+        </pc:spChg>
+      </pc:sldChg>
+      <pc:sldChg chg="modSp new">
+        <pc:chgData name="Conaway, Ryan" userId="S::mc321015@ohio.edu::2d2e994b-2ab9-4e67-9e20-1eb7f596c0ca" providerId="AD" clId="Web-{3C459170-AE26-4E83-9FB7-88CDB7D80E72}" dt="2021-04-15T15:40:05.757" v="332" actId="20577"/>
+        <pc:sldMkLst>
+          <pc:docMk/>
+          <pc:sldMk cId="2437504648" sldId="279"/>
+        </pc:sldMkLst>
+        <pc:spChg chg="mod">
+          <ac:chgData name="Conaway, Ryan" userId="S::mc321015@ohio.edu::2d2e994b-2ab9-4e67-9e20-1eb7f596c0ca" providerId="AD" clId="Web-{3C459170-AE26-4E83-9FB7-88CDB7D80E72}" dt="2021-04-15T15:35:20.548" v="193" actId="20577"/>
+          <ac:spMkLst>
+            <pc:docMk/>
+            <pc:sldMk cId="2437504648" sldId="279"/>
+            <ac:spMk id="2" creationId="{C595705B-E757-46FC-9A19-EB887224B5D8}"/>
+          </ac:spMkLst>
+        </pc:spChg>
+        <pc:spChg chg="mod">
+          <ac:chgData name="Conaway, Ryan" userId="S::mc321015@ohio.edu::2d2e994b-2ab9-4e67-9e20-1eb7f596c0ca" providerId="AD" clId="Web-{3C459170-AE26-4E83-9FB7-88CDB7D80E72}" dt="2021-04-15T15:40:05.757" v="332" actId="20577"/>
+          <ac:spMkLst>
+            <pc:docMk/>
+            <pc:sldMk cId="2437504648" sldId="279"/>
+            <ac:spMk id="3" creationId="{17D7D378-B54D-42B2-96D0-1D5298C2AF56}"/>
+          </ac:spMkLst>
+        </pc:spChg>
+      </pc:sldChg>
+    </pc:docChg>
+  </pc:docChgLst>
 </pc:chgInfo>
 </file>
 
@@ -1040,7 +1277,7 @@
           <a:p>
             <a:fld id="{80C351EF-FBD3-41D2-8FBA-0CA4486E5B34}" type="datetimeFigureOut">
               <a:rPr lang="en-US" smtClean="0"/>
-              <a:t>4/14/2021</a:t>
+              <a:t>4/15/2021</a:t>
             </a:fld>
             <a:endParaRPr lang="en-US"/>
           </a:p>
@@ -1368,7 +1605,7 @@
           <a:p>
             <a:fld id="{80C351EF-FBD3-41D2-8FBA-0CA4486E5B34}" type="datetimeFigureOut">
               <a:rPr lang="en-US" smtClean="0"/>
-              <a:t>4/14/2021</a:t>
+              <a:t>4/15/2021</a:t>
             </a:fld>
             <a:endParaRPr lang="en-US"/>
           </a:p>
@@ -1546,7 +1783,7 @@
           <a:p>
             <a:fld id="{80C351EF-FBD3-41D2-8FBA-0CA4486E5B34}" type="datetimeFigureOut">
               <a:rPr lang="en-US" smtClean="0"/>
-              <a:t>4/14/2021</a:t>
+              <a:t>4/15/2021</a:t>
             </a:fld>
             <a:endParaRPr lang="en-US"/>
           </a:p>
@@ -1714,7 +1951,7 @@
           <a:p>
             <a:fld id="{80C351EF-FBD3-41D2-8FBA-0CA4486E5B34}" type="datetimeFigureOut">
               <a:rPr lang="en-US" smtClean="0"/>
-              <a:t>4/14/2021</a:t>
+              <a:t>4/15/2021</a:t>
             </a:fld>
             <a:endParaRPr lang="en-US"/>
           </a:p>
@@ -1990,7 +2227,7 @@
           <a:p>
             <a:fld id="{80C351EF-FBD3-41D2-8FBA-0CA4486E5B34}" type="datetimeFigureOut">
               <a:rPr lang="en-US" smtClean="0"/>
-              <a:t>4/14/2021</a:t>
+              <a:t>4/15/2021</a:t>
             </a:fld>
             <a:endParaRPr lang="en-US"/>
           </a:p>
@@ -2381,7 +2618,7 @@
           <a:p>
             <a:fld id="{80C351EF-FBD3-41D2-8FBA-0CA4486E5B34}" type="datetimeFigureOut">
               <a:rPr lang="en-US" smtClean="0"/>
-              <a:t>4/14/2021</a:t>
+              <a:t>4/15/2021</a:t>
             </a:fld>
             <a:endParaRPr lang="en-US"/>
           </a:p>
@@ -2855,7 +3092,7 @@
           <a:p>
             <a:fld id="{80C351EF-FBD3-41D2-8FBA-0CA4486E5B34}" type="datetimeFigureOut">
               <a:rPr lang="en-US" smtClean="0"/>
-              <a:t>4/14/2021</a:t>
+              <a:t>4/15/2021</a:t>
             </a:fld>
             <a:endParaRPr lang="en-US"/>
           </a:p>
@@ -2972,7 +3209,7 @@
           <a:p>
             <a:fld id="{80C351EF-FBD3-41D2-8FBA-0CA4486E5B34}" type="datetimeFigureOut">
               <a:rPr lang="en-US" smtClean="0"/>
-              <a:t>4/14/2021</a:t>
+              <a:t>4/15/2021</a:t>
             </a:fld>
             <a:endParaRPr lang="en-US"/>
           </a:p>
@@ -3067,7 +3304,7 @@
           <a:p>
             <a:fld id="{80C351EF-FBD3-41D2-8FBA-0CA4486E5B34}" type="datetimeFigureOut">
               <a:rPr lang="en-US" smtClean="0"/>
-              <a:t>4/14/2021</a:t>
+              <a:t>4/15/2021</a:t>
             </a:fld>
             <a:endParaRPr lang="en-US"/>
           </a:p>
@@ -3411,7 +3648,7 @@
           <a:p>
             <a:fld id="{80C351EF-FBD3-41D2-8FBA-0CA4486E5B34}" type="datetimeFigureOut">
               <a:rPr lang="en-US" smtClean="0"/>
-              <a:t>4/14/2021</a:t>
+              <a:t>4/15/2021</a:t>
             </a:fld>
             <a:endParaRPr lang="en-US"/>
           </a:p>
@@ -3797,7 +4034,7 @@
           <a:p>
             <a:fld id="{80C351EF-FBD3-41D2-8FBA-0CA4486E5B34}" type="datetimeFigureOut">
               <a:rPr lang="en-US" smtClean="0"/>
-              <a:t>4/14/2021</a:t>
+              <a:t>4/15/2021</a:t>
             </a:fld>
             <a:endParaRPr lang="en-US"/>
           </a:p>
@@ -4073,7 +4310,7 @@
           <a:p>
             <a:fld id="{80C351EF-FBD3-41D2-8FBA-0CA4486E5B34}" type="datetimeFigureOut">
               <a:rPr lang="en-US" smtClean="0"/>
-              <a:t>4/14/2021</a:t>
+              <a:t>4/15/2021</a:t>
             </a:fld>
             <a:endParaRPr lang="en-US"/>
           </a:p>
@@ -7357,6 +7594,584 @@
 <file path=ppt/slides/slide22.xml><?xml version="1.0" encoding="utf-8"?>
 <p:sld xmlns:a="http://schemas.openxmlformats.org/drawingml/2006/main" xmlns:r="http://schemas.openxmlformats.org/officeDocument/2006/relationships" xmlns:p="http://schemas.openxmlformats.org/presentationml/2006/main">
   <p:cSld>
+    <p:spTree>
+      <p:nvGrpSpPr>
+        <p:cNvPr id="1" name=""/>
+        <p:cNvGrpSpPr/>
+        <p:nvPr/>
+      </p:nvGrpSpPr>
+      <p:grpSpPr>
+        <a:xfrm>
+          <a:off x="0" y="0"/>
+          <a:ext cx="0" cy="0"/>
+          <a:chOff x="0" y="0"/>
+          <a:chExt cx="0" cy="0"/>
+        </a:xfrm>
+      </p:grpSpPr>
+      <p:sp>
+        <p:nvSpPr>
+          <p:cNvPr id="2" name="Title 1">
+            <a:extLst>
+              <a:ext uri="{FF2B5EF4-FFF2-40B4-BE49-F238E27FC236}">
+                <a16:creationId xmlns:a16="http://schemas.microsoft.com/office/drawing/2014/main" id="{9A601B96-829D-4DAF-AFC0-D8AE8CD2C053}"/>
+              </a:ext>
+            </a:extLst>
+          </p:cNvPr>
+          <p:cNvSpPr>
+            <a:spLocks noGrp="1"/>
+          </p:cNvSpPr>
+          <p:nvPr>
+            <p:ph type="title"/>
+          </p:nvPr>
+        </p:nvSpPr>
+        <p:spPr/>
+        <p:txBody>
+          <a:bodyPr/>
+          <a:lstStyle/>
+          <a:p>
+            <a:r>
+              <a:rPr lang="en-US"/>
+              <a:t>Tool Reflections</a:t>
+            </a:r>
+          </a:p>
+        </p:txBody>
+      </p:sp>
+      <p:sp>
+        <p:nvSpPr>
+          <p:cNvPr id="3" name="Content Placeholder 2">
+            <a:extLst>
+              <a:ext uri="{FF2B5EF4-FFF2-40B4-BE49-F238E27FC236}">
+                <a16:creationId xmlns:a16="http://schemas.microsoft.com/office/drawing/2014/main" id="{9D1AE3D9-18AF-479D-BB9C-2A5CED298F02}"/>
+              </a:ext>
+            </a:extLst>
+          </p:cNvPr>
+          <p:cNvSpPr>
+            <a:spLocks noGrp="1"/>
+          </p:cNvSpPr>
+          <p:nvPr>
+            <p:ph idx="1"/>
+          </p:nvPr>
+        </p:nvSpPr>
+        <p:spPr>
+          <a:xfrm>
+            <a:off x="1371600" y="2286000"/>
+            <a:ext cx="9611226" cy="1626269"/>
+          </a:xfrm>
+        </p:spPr>
+        <p:txBody>
+          <a:bodyPr vert="horz" lIns="91440" tIns="45720" rIns="91440" bIns="45720" rtlCol="0" anchor="t">
+            <a:normAutofit fontScale="92500"/>
+          </a:bodyPr>
+          <a:lstStyle/>
+          <a:p>
+            <a:pPr marL="383540" indent="-383540"/>
+            <a:r>
+              <a:rPr lang="en-US"/>
+              <a:t>The Good:</a:t>
+            </a:r>
+          </a:p>
+          <a:p>
+            <a:pPr lvl="1" indent="-383540"/>
+            <a:r>
+              <a:rPr lang="en-US" i="0"/>
+              <a:t>Visual Studio and </a:t>
+            </a:r>
+            <a:r>
+              <a:rPr lang="en-US" i="0" err="1"/>
+              <a:t>VScode</a:t>
+            </a:r>
+            <a:r>
+              <a:rPr lang="en-US" i="0"/>
+              <a:t>: excellent text editors with rich features</a:t>
+            </a:r>
+          </a:p>
+          <a:p>
+            <a:pPr lvl="1" indent="-383540"/>
+            <a:r>
+              <a:rPr lang="en-US" i="0" err="1"/>
+              <a:t>Cppcheck</a:t>
+            </a:r>
+            <a:r>
+              <a:rPr lang="en-US" i="0"/>
+              <a:t>: very helpful to run code that would not compile and solve those issues</a:t>
+            </a:r>
+          </a:p>
+          <a:p>
+            <a:pPr lvl="1" indent="-383540"/>
+            <a:r>
+              <a:rPr lang="en-US" i="0" err="1"/>
+              <a:t>Github</a:t>
+            </a:r>
+            <a:r>
+              <a:rPr lang="en-US" i="0"/>
+              <a:t>: provided a great way to work and share progress between team members </a:t>
+            </a:r>
+          </a:p>
+          <a:p>
+            <a:pPr lvl="1" indent="-383540"/>
+            <a:endParaRPr lang="en-US" i="0"/>
+          </a:p>
+          <a:p>
+            <a:pPr lvl="1" indent="-383540"/>
+            <a:endParaRPr lang="en-US" i="0"/>
+          </a:p>
+          <a:p>
+            <a:pPr lvl="1" indent="-383540"/>
+            <a:endParaRPr lang="en-US" i="0"/>
+          </a:p>
+        </p:txBody>
+      </p:sp>
+      <p:sp>
+        <p:nvSpPr>
+          <p:cNvPr id="6" name="Content Placeholder 2">
+            <a:extLst>
+              <a:ext uri="{FF2B5EF4-FFF2-40B4-BE49-F238E27FC236}">
+                <a16:creationId xmlns:a16="http://schemas.microsoft.com/office/drawing/2014/main" id="{B85599FE-5D02-4833-A2AD-EA05DDBB3296}"/>
+              </a:ext>
+            </a:extLst>
+          </p:cNvPr>
+          <p:cNvSpPr txBox="1">
+            <a:spLocks/>
+          </p:cNvSpPr>
+          <p:nvPr/>
+        </p:nvSpPr>
+        <p:spPr>
+          <a:xfrm>
+            <a:off x="1293395" y="4483768"/>
+            <a:ext cx="9601200" cy="864269"/>
+          </a:xfrm>
+          <a:prstGeom prst="rect">
+            <a:avLst/>
+          </a:prstGeom>
+        </p:spPr>
+        <p:txBody>
+          <a:bodyPr vert="horz" lIns="91440" tIns="45720" rIns="91440" bIns="45720" rtlCol="0" anchor="t">
+            <a:normAutofit fontScale="92500" lnSpcReduction="20000"/>
+          </a:bodyPr>
+          <a:lstStyle>
+            <a:lvl1pPr marL="384048" indent="-384048" algn="l" defTabSz="914400" rtl="0" eaLnBrk="1" latinLnBrk="0" hangingPunct="1">
+              <a:lnSpc>
+                <a:spcPct val="94000"/>
+              </a:lnSpc>
+              <a:spcBef>
+                <a:spcPts val="1000"/>
+              </a:spcBef>
+              <a:spcAft>
+                <a:spcPts val="200"/>
+              </a:spcAft>
+              <a:buFont typeface="Franklin Gothic Book" panose="020B0503020102020204" pitchFamily="34" charset="0"/>
+              <a:buChar char="■"/>
+              <a:defRPr sz="2000" kern="1200" baseline="0">
+                <a:solidFill>
+                  <a:schemeClr val="tx2"/>
+                </a:solidFill>
+                <a:latin typeface="+mn-lt"/>
+                <a:ea typeface="+mn-ea"/>
+                <a:cs typeface="+mn-cs"/>
+              </a:defRPr>
+            </a:lvl1pPr>
+            <a:lvl2pPr marL="914400" indent="-384048" algn="l" defTabSz="914400" rtl="0" eaLnBrk="1" latinLnBrk="0" hangingPunct="1">
+              <a:lnSpc>
+                <a:spcPct val="94000"/>
+              </a:lnSpc>
+              <a:spcBef>
+                <a:spcPts val="500"/>
+              </a:spcBef>
+              <a:spcAft>
+                <a:spcPts val="200"/>
+              </a:spcAft>
+              <a:buFont typeface="Franklin Gothic Book" panose="020B0503020102020204" pitchFamily="34" charset="0"/>
+              <a:buChar char="–"/>
+              <a:defRPr sz="2000" i="1" kern="1200" baseline="0">
+                <a:solidFill>
+                  <a:schemeClr val="tx2"/>
+                </a:solidFill>
+                <a:latin typeface="+mn-lt"/>
+                <a:ea typeface="+mn-ea"/>
+                <a:cs typeface="+mn-cs"/>
+              </a:defRPr>
+            </a:lvl2pPr>
+            <a:lvl3pPr marL="1371600" indent="-384048" algn="l" defTabSz="914400" rtl="0" eaLnBrk="1" latinLnBrk="0" hangingPunct="1">
+              <a:lnSpc>
+                <a:spcPct val="94000"/>
+              </a:lnSpc>
+              <a:spcBef>
+                <a:spcPts val="500"/>
+              </a:spcBef>
+              <a:spcAft>
+                <a:spcPts val="200"/>
+              </a:spcAft>
+              <a:buFont typeface="Franklin Gothic Book" panose="020B0503020102020204" pitchFamily="34" charset="0"/>
+              <a:buChar char="■"/>
+              <a:defRPr sz="1800" kern="1200" baseline="0">
+                <a:solidFill>
+                  <a:schemeClr val="tx2"/>
+                </a:solidFill>
+                <a:latin typeface="+mn-lt"/>
+                <a:ea typeface="+mn-ea"/>
+                <a:cs typeface="+mn-cs"/>
+              </a:defRPr>
+            </a:lvl3pPr>
+            <a:lvl4pPr marL="1828800" indent="-384048" algn="l" defTabSz="914400" rtl="0" eaLnBrk="1" latinLnBrk="0" hangingPunct="1">
+              <a:lnSpc>
+                <a:spcPct val="94000"/>
+              </a:lnSpc>
+              <a:spcBef>
+                <a:spcPts val="500"/>
+              </a:spcBef>
+              <a:spcAft>
+                <a:spcPts val="200"/>
+              </a:spcAft>
+              <a:buFont typeface="Franklin Gothic Book" panose="020B0503020102020204" pitchFamily="34" charset="0"/>
+              <a:buChar char="–"/>
+              <a:defRPr sz="1800" i="1" kern="1200" baseline="0">
+                <a:solidFill>
+                  <a:schemeClr val="tx2"/>
+                </a:solidFill>
+                <a:latin typeface="+mn-lt"/>
+                <a:ea typeface="+mn-ea"/>
+                <a:cs typeface="+mn-cs"/>
+              </a:defRPr>
+            </a:lvl4pPr>
+            <a:lvl5pPr marL="2286000" indent="-384048" algn="l" defTabSz="914400" rtl="0" eaLnBrk="1" latinLnBrk="0" hangingPunct="1">
+              <a:lnSpc>
+                <a:spcPct val="94000"/>
+              </a:lnSpc>
+              <a:spcBef>
+                <a:spcPts val="500"/>
+              </a:spcBef>
+              <a:spcAft>
+                <a:spcPts val="200"/>
+              </a:spcAft>
+              <a:buFont typeface="Franklin Gothic Book" panose="020B0503020102020204" pitchFamily="34" charset="0"/>
+              <a:buChar char="■"/>
+              <a:defRPr sz="1600" kern="1200" baseline="0">
+                <a:solidFill>
+                  <a:schemeClr val="tx2"/>
+                </a:solidFill>
+                <a:latin typeface="+mn-lt"/>
+                <a:ea typeface="+mn-ea"/>
+                <a:cs typeface="+mn-cs"/>
+              </a:defRPr>
+            </a:lvl5pPr>
+            <a:lvl6pPr marL="2743200" indent="-384048" algn="l" defTabSz="914400" rtl="0" eaLnBrk="1" latinLnBrk="0" hangingPunct="1">
+              <a:lnSpc>
+                <a:spcPct val="94000"/>
+              </a:lnSpc>
+              <a:spcBef>
+                <a:spcPts val="500"/>
+              </a:spcBef>
+              <a:spcAft>
+                <a:spcPts val="200"/>
+              </a:spcAft>
+              <a:buFont typeface="Franklin Gothic Book" panose="020B0503020102020204" pitchFamily="34" charset="0"/>
+              <a:buChar char="–"/>
+              <a:defRPr sz="1600" i="1" kern="1200" baseline="0">
+                <a:solidFill>
+                  <a:schemeClr val="tx2"/>
+                </a:solidFill>
+                <a:latin typeface="+mn-lt"/>
+                <a:ea typeface="+mn-ea"/>
+                <a:cs typeface="+mn-cs"/>
+              </a:defRPr>
+            </a:lvl6pPr>
+            <a:lvl7pPr marL="3200400" indent="-384048" algn="l" defTabSz="914400" rtl="0" eaLnBrk="1" latinLnBrk="0" hangingPunct="1">
+              <a:lnSpc>
+                <a:spcPct val="94000"/>
+              </a:lnSpc>
+              <a:spcBef>
+                <a:spcPts val="500"/>
+              </a:spcBef>
+              <a:spcAft>
+                <a:spcPts val="200"/>
+              </a:spcAft>
+              <a:buFont typeface="Franklin Gothic Book" panose="020B0503020102020204" pitchFamily="34" charset="0"/>
+              <a:buChar char="■"/>
+              <a:defRPr sz="1400" kern="1200" baseline="0">
+                <a:solidFill>
+                  <a:schemeClr val="tx2"/>
+                </a:solidFill>
+                <a:latin typeface="+mn-lt"/>
+                <a:ea typeface="+mn-ea"/>
+                <a:cs typeface="+mn-cs"/>
+              </a:defRPr>
+            </a:lvl7pPr>
+            <a:lvl8pPr marL="3657600" indent="-384048" algn="l" defTabSz="914400" rtl="0" eaLnBrk="1" latinLnBrk="0" hangingPunct="1">
+              <a:lnSpc>
+                <a:spcPct val="94000"/>
+              </a:lnSpc>
+              <a:spcBef>
+                <a:spcPts val="500"/>
+              </a:spcBef>
+              <a:spcAft>
+                <a:spcPts val="200"/>
+              </a:spcAft>
+              <a:buFont typeface="Franklin Gothic Book" panose="020B0503020102020204" pitchFamily="34" charset="0"/>
+              <a:buChar char="–"/>
+              <a:defRPr sz="1400" i="1" kern="1200" baseline="0">
+                <a:solidFill>
+                  <a:schemeClr val="tx2"/>
+                </a:solidFill>
+                <a:latin typeface="+mn-lt"/>
+                <a:ea typeface="+mn-ea"/>
+                <a:cs typeface="+mn-cs"/>
+              </a:defRPr>
+            </a:lvl8pPr>
+            <a:lvl9pPr marL="4114800" indent="-384048" algn="l" defTabSz="914400" rtl="0" eaLnBrk="1" latinLnBrk="0" hangingPunct="1">
+              <a:lnSpc>
+                <a:spcPct val="94000"/>
+              </a:lnSpc>
+              <a:spcBef>
+                <a:spcPts val="500"/>
+              </a:spcBef>
+              <a:spcAft>
+                <a:spcPts val="200"/>
+              </a:spcAft>
+              <a:buFont typeface="Franklin Gothic Book" panose="020B0503020102020204" pitchFamily="34" charset="0"/>
+              <a:buChar char="■"/>
+              <a:defRPr sz="1400" kern="1200" baseline="0">
+                <a:solidFill>
+                  <a:schemeClr val="tx2"/>
+                </a:solidFill>
+                <a:latin typeface="+mn-lt"/>
+                <a:ea typeface="+mn-ea"/>
+                <a:cs typeface="+mn-cs"/>
+              </a:defRPr>
+            </a:lvl9pPr>
+          </a:lstStyle>
+          <a:p>
+            <a:pPr marL="383540" indent="-383540"/>
+            <a:r>
+              <a:rPr lang="en-US"/>
+              <a:t>The Bad:</a:t>
+            </a:r>
+          </a:p>
+          <a:p>
+            <a:pPr lvl="1" indent="-383540"/>
+            <a:r>
+              <a:rPr lang="en-US" i="0" err="1"/>
+              <a:t>Valgrind</a:t>
+            </a:r>
+            <a:r>
+              <a:rPr lang="en-US" i="0"/>
+              <a:t>/</a:t>
+            </a:r>
+            <a:r>
+              <a:rPr lang="en-US" i="0" err="1"/>
+              <a:t>Deleaker</a:t>
+            </a:r>
+            <a:r>
+              <a:rPr lang="en-US" i="0"/>
+              <a:t> : </a:t>
+            </a:r>
+            <a:r>
+              <a:rPr lang="en-US" i="0" err="1"/>
+              <a:t>Valgrind</a:t>
+            </a:r>
+            <a:r>
+              <a:rPr lang="en-US" i="0"/>
+              <a:t> does not work on Windows and </a:t>
+            </a:r>
+            <a:r>
+              <a:rPr lang="en-US" i="0" err="1"/>
+              <a:t>Deleaker's</a:t>
+            </a:r>
+            <a:r>
+              <a:rPr lang="en-US" i="0"/>
+              <a:t> use was limited</a:t>
+            </a:r>
+          </a:p>
+        </p:txBody>
+      </p:sp>
+    </p:spTree>
+    <p:extLst>
+      <p:ext uri="{BB962C8B-B14F-4D97-AF65-F5344CB8AC3E}">
+        <p14:creationId xmlns:p14="http://schemas.microsoft.com/office/powerpoint/2010/main" val="2227598098"/>
+      </p:ext>
+    </p:extLst>
+  </p:cSld>
+  <p:clrMapOvr>
+    <a:masterClrMapping/>
+  </p:clrMapOvr>
+</p:sld>
+</file>
+
+<file path=ppt/slides/slide23.xml><?xml version="1.0" encoding="utf-8"?>
+<p:sld xmlns:a="http://schemas.openxmlformats.org/drawingml/2006/main" xmlns:r="http://schemas.openxmlformats.org/officeDocument/2006/relationships" xmlns:p="http://schemas.openxmlformats.org/presentationml/2006/main">
+  <p:cSld>
+    <p:spTree>
+      <p:nvGrpSpPr>
+        <p:cNvPr id="1" name=""/>
+        <p:cNvGrpSpPr/>
+        <p:nvPr/>
+      </p:nvGrpSpPr>
+      <p:grpSpPr>
+        <a:xfrm>
+          <a:off x="0" y="0"/>
+          <a:ext cx="0" cy="0"/>
+          <a:chOff x="0" y="0"/>
+          <a:chExt cx="0" cy="0"/>
+        </a:xfrm>
+      </p:grpSpPr>
+      <p:sp>
+        <p:nvSpPr>
+          <p:cNvPr id="2" name="Title 1">
+            <a:extLst>
+              <a:ext uri="{FF2B5EF4-FFF2-40B4-BE49-F238E27FC236}">
+                <a16:creationId xmlns:a16="http://schemas.microsoft.com/office/drawing/2014/main" id="{C595705B-E757-46FC-9A19-EB887224B5D8}"/>
+              </a:ext>
+            </a:extLst>
+          </p:cNvPr>
+          <p:cNvSpPr>
+            <a:spLocks noGrp="1"/>
+          </p:cNvSpPr>
+          <p:nvPr>
+            <p:ph type="title"/>
+          </p:nvPr>
+        </p:nvSpPr>
+        <p:spPr/>
+        <p:txBody>
+          <a:bodyPr/>
+          <a:lstStyle/>
+          <a:p>
+            <a:r>
+              <a:rPr lang="en-US"/>
+              <a:t>Contributions:</a:t>
+            </a:r>
+          </a:p>
+        </p:txBody>
+      </p:sp>
+      <p:sp>
+        <p:nvSpPr>
+          <p:cNvPr id="3" name="Content Placeholder 2">
+            <a:extLst>
+              <a:ext uri="{FF2B5EF4-FFF2-40B4-BE49-F238E27FC236}">
+                <a16:creationId xmlns:a16="http://schemas.microsoft.com/office/drawing/2014/main" id="{17D7D378-B54D-42B2-96D0-1D5298C2AF56}"/>
+              </a:ext>
+            </a:extLst>
+          </p:cNvPr>
+          <p:cNvSpPr>
+            <a:spLocks noGrp="1"/>
+          </p:cNvSpPr>
+          <p:nvPr>
+            <p:ph idx="1"/>
+          </p:nvPr>
+        </p:nvSpPr>
+        <p:spPr/>
+        <p:txBody>
+          <a:bodyPr vert="horz" lIns="91440" tIns="45720" rIns="91440" bIns="45720" rtlCol="0" anchor="t">
+            <a:normAutofit/>
+          </a:bodyPr>
+          <a:lstStyle/>
+          <a:p>
+            <a:pPr marL="383540" indent="-383540"/>
+            <a:r>
+              <a:rPr lang="en-US">
+                <a:solidFill>
+                  <a:srgbClr val="000000"/>
+                </a:solidFill>
+                <a:latin typeface="Calibri"/>
+                <a:cs typeface="Calibri"/>
+              </a:rPr>
+              <a:t>Ethan Flynn – Implementing Rat in a Maze into GUI</a:t>
+            </a:r>
+            <a:endParaRPr lang="en-US">
+              <a:solidFill>
+                <a:srgbClr val="191B0E"/>
+              </a:solidFill>
+              <a:latin typeface="Franklin Gothic Book" panose="020B0503020102020204"/>
+              <a:cs typeface="Calibri"/>
+            </a:endParaRPr>
+          </a:p>
+          <a:p>
+            <a:pPr marL="383540" indent="-383540"/>
+            <a:r>
+              <a:rPr lang="en-US">
+                <a:solidFill>
+                  <a:srgbClr val="000000"/>
+                </a:solidFill>
+                <a:latin typeface="Calibri"/>
+                <a:cs typeface="Calibri"/>
+              </a:rPr>
+              <a:t> Michael Cooney -- Finish Dijkstra and implement into GUI</a:t>
+            </a:r>
+            <a:endParaRPr lang="en-US">
+              <a:solidFill>
+                <a:srgbClr val="191B0E"/>
+              </a:solidFill>
+              <a:latin typeface="Franklin Gothic Book" panose="020B0503020102020204"/>
+              <a:cs typeface="Calibri"/>
+            </a:endParaRPr>
+          </a:p>
+          <a:p>
+            <a:pPr marL="383540" indent="-383540"/>
+            <a:r>
+              <a:rPr lang="en-US">
+                <a:solidFill>
+                  <a:srgbClr val="000000"/>
+                </a:solidFill>
+                <a:latin typeface="Calibri"/>
+                <a:cs typeface="Calibri"/>
+              </a:rPr>
+              <a:t>Fadi Alrabadi -- Implementing Depth First Search into GUI</a:t>
+            </a:r>
+            <a:endParaRPr lang="en-US">
+              <a:ea typeface="+mn-lt"/>
+              <a:cs typeface="+mn-lt"/>
+            </a:endParaRPr>
+          </a:p>
+          <a:p>
+            <a:pPr marL="383540" indent="-383540"/>
+            <a:r>
+              <a:rPr lang="en-US">
+                <a:solidFill>
+                  <a:srgbClr val="000000"/>
+                </a:solidFill>
+                <a:latin typeface="Calibri"/>
+                <a:cs typeface="Calibri"/>
+              </a:rPr>
+              <a:t>Ryan Conaway – make maze menu prompt/reset() function</a:t>
+            </a:r>
+            <a:endParaRPr lang="en-US">
+              <a:solidFill>
+                <a:srgbClr val="191B0E"/>
+              </a:solidFill>
+              <a:latin typeface="Franklin Gothic Book" panose="020B0503020102020204"/>
+              <a:cs typeface="Calibri"/>
+            </a:endParaRPr>
+          </a:p>
+          <a:p>
+            <a:pPr marL="383540" indent="-383540"/>
+            <a:r>
+              <a:rPr lang="en-US">
+                <a:solidFill>
+                  <a:srgbClr val="000000"/>
+                </a:solidFill>
+                <a:latin typeface="Calibri"/>
+                <a:cs typeface="Calibri"/>
+              </a:rPr>
+              <a:t>Alex Williams  -- make menu function and implementation</a:t>
+            </a:r>
+            <a:endParaRPr lang="en-US"/>
+          </a:p>
+        </p:txBody>
+      </p:sp>
+    </p:spTree>
+    <p:extLst>
+      <p:ext uri="{BB962C8B-B14F-4D97-AF65-F5344CB8AC3E}">
+        <p14:creationId xmlns:p14="http://schemas.microsoft.com/office/powerpoint/2010/main" val="2437504648"/>
+      </p:ext>
+    </p:extLst>
+  </p:cSld>
+  <p:clrMapOvr>
+    <a:masterClrMapping/>
+  </p:clrMapOvr>
+</p:sld>
+</file>
+
+<file path=ppt/slides/slide24.xml><?xml version="1.0" encoding="utf-8"?>
+<p:sld xmlns:a="http://schemas.openxmlformats.org/drawingml/2006/main" xmlns:r="http://schemas.openxmlformats.org/officeDocument/2006/relationships" xmlns:p="http://schemas.openxmlformats.org/presentationml/2006/main">
+  <p:cSld>
     <p:bg>
       <p:bgPr>
         <a:solidFill>
@@ -7987,27 +8802,11 @@
             <a:pPr marL="383540" indent="-383540"/>
             <a:r>
               <a:rPr lang="en-US" err="1"/>
-              <a:t>Valgrind</a:t>
-            </a:r>
-            <a:endParaRPr lang="en-US"/>
-          </a:p>
-          <a:p>
-            <a:pPr marL="383540" indent="-383540"/>
-            <a:r>
-              <a:rPr lang="en-US" err="1"/>
               <a:t>Deleaker</a:t>
             </a:r>
             <a:r>
               <a:rPr lang="en-US"/>
-              <a:t> (</a:t>
-            </a:r>
-            <a:r>
-              <a:rPr lang="en-US" err="1"/>
-              <a:t>valgrind</a:t>
-            </a:r>
-            <a:r>
-              <a:rPr lang="en-US"/>
-              <a:t> for windows)</a:t>
+              <a:t> (Valgrind for windows)</a:t>
             </a:r>
           </a:p>
           <a:p>
